--- a/deck/dms-workshop-core.pptx
+++ b/deck/dms-workshop-core.pptx
@@ -363,7 +363,7 @@
             <a:fld id="{0B25AC41-3BEC-9247-8322-91B80C013F2D}" type="datetimeFigureOut">
               <a:rPr lang="en-US" smtClean="0"/>
               <a:pPr/>
-              <a:t>10/24/17</a:t>
+              <a:t>10/26/17</a:t>
             </a:fld>
             <a:endParaRPr lang="en-US" dirty="0"/>
           </a:p>
@@ -6064,7 +6064,15 @@
                 <a:ea typeface="Amazon Ember Light" charset="0"/>
                 <a:cs typeface="Amazon Ember Light" charset="0"/>
               </a:rPr>
-              <a:t>Revised 2017.10.24</a:t>
+              <a:t>Revised </a:t>
+            </a:r>
+            <a:r>
+              <a:rPr lang="en-US" dirty="0" smtClean="0">
+                <a:latin typeface="Amazon Ember Light" charset="0"/>
+                <a:ea typeface="Amazon Ember Light" charset="0"/>
+                <a:cs typeface="Amazon Ember Light" charset="0"/>
+              </a:rPr>
+              <a:t>2017.10.26</a:t>
             </a:r>
             <a:endParaRPr lang="en-US" dirty="0">
               <a:latin typeface="Amazon Ember Light" charset="0"/>
@@ -6134,18 +6142,7 @@
                 <a:ea typeface="Amazon Ember Light" charset="0"/>
                 <a:cs typeface="Amazon Ember Light" charset="0"/>
               </a:rPr>
-              <a:t>Core </a:t>
-            </a:r>
-            <a:r>
-              <a:rPr lang="en-US" dirty="0" smtClean="0">
-                <a:solidFill>
-                  <a:schemeClr val="accent1"/>
-                </a:solidFill>
-                <a:latin typeface="Amazon Ember Light" charset="0"/>
-                <a:ea typeface="Amazon Ember Light" charset="0"/>
-                <a:cs typeface="Amazon Ember Light" charset="0"/>
-              </a:rPr>
-              <a:t>Concepts</a:t>
+              <a:t>Core Concepts</a:t>
             </a:r>
             <a:endParaRPr lang="en-US" dirty="0">
               <a:solidFill>
@@ -12341,12 +12338,26 @@
               <a:buChar char="•"/>
             </a:pPr>
             <a:r>
-              <a:rPr lang="en-US" sz="1800" dirty="0">
+              <a:rPr lang="en-US" sz="1800" b="1" dirty="0">
+                <a:solidFill>
+                  <a:schemeClr val="accent1"/>
+                </a:solidFill>
                 <a:latin typeface="Amazon Ember Light" charset="0"/>
                 <a:ea typeface="Amazon Ember Light" charset="0"/>
                 <a:cs typeface="Amazon Ember Light" charset="0"/>
               </a:rPr>
               <a:t>Replication </a:t>
+            </a:r>
+            <a:r>
+              <a:rPr lang="en-US" sz="1800" b="1" dirty="0" smtClean="0">
+                <a:solidFill>
+                  <a:schemeClr val="accent1"/>
+                </a:solidFill>
+                <a:latin typeface="Amazon Ember Light" charset="0"/>
+                <a:ea typeface="Amazon Ember Light" charset="0"/>
+                <a:cs typeface="Amazon Ember Light" charset="0"/>
+              </a:rPr>
+              <a:t>instances</a:t>
             </a:r>
             <a:r>
               <a:rPr lang="en-US" sz="1800" dirty="0" smtClean="0">
@@ -12354,7 +12365,7 @@
                 <a:ea typeface="Amazon Ember Light" charset="0"/>
                 <a:cs typeface="Amazon Ember Light" charset="0"/>
               </a:rPr>
-              <a:t>instances are EC2 instances that provide the processing engine for data migrations</a:t>
+              <a:t> are EC2 instances that provide the processing engine for data migrations</a:t>
             </a:r>
           </a:p>
           <a:p>
@@ -12369,12 +12380,23 @@
               <a:buChar char="•"/>
             </a:pPr>
             <a:r>
+              <a:rPr lang="en-US" sz="1800" b="1" dirty="0" smtClean="0">
+                <a:solidFill>
+                  <a:schemeClr val="accent1"/>
+                </a:solidFill>
+                <a:latin typeface="Amazon Ember Light" charset="0"/>
+                <a:ea typeface="Amazon Ember Light" charset="0"/>
+                <a:cs typeface="Amazon Ember Light" charset="0"/>
+              </a:rPr>
+              <a:t>Endpoints</a:t>
+            </a:r>
+            <a:r>
               <a:rPr lang="en-US" sz="1800" dirty="0" smtClean="0">
                 <a:latin typeface="Amazon Ember Light" charset="0"/>
                 <a:ea typeface="Amazon Ember Light" charset="0"/>
                 <a:cs typeface="Amazon Ember Light" charset="0"/>
               </a:rPr>
-              <a:t>Endpoints are wrappers around the source and target databases, used by the the replication instances during data migration</a:t>
+              <a:t> are wrappers around the source and target databases, used by the the replication instances during data migration</a:t>
             </a:r>
           </a:p>
           <a:p>
@@ -12389,12 +12411,23 @@
               <a:buChar char="•"/>
             </a:pPr>
             <a:r>
+              <a:rPr lang="en-US" sz="1800" b="1" dirty="0" smtClean="0">
+                <a:solidFill>
+                  <a:schemeClr val="accent1"/>
+                </a:solidFill>
+                <a:latin typeface="Amazon Ember Light" charset="0"/>
+                <a:ea typeface="Amazon Ember Light" charset="0"/>
+                <a:cs typeface="Amazon Ember Light" charset="0"/>
+              </a:rPr>
+              <a:t>Tasks</a:t>
+            </a:r>
+            <a:r>
               <a:rPr lang="en-US" sz="1800" dirty="0" smtClean="0">
                 <a:latin typeface="Amazon Ember Light" charset="0"/>
                 <a:ea typeface="Amazon Ember Light" charset="0"/>
                 <a:cs typeface="Amazon Ember Light" charset="0"/>
               </a:rPr>
-              <a:t>Tasks oversee the data migration process, provide source filters and/or data transforms, and determine if data will continue to be replicated after the initial transfer is performed</a:t>
+              <a:t> oversee the data migration process, provide source filters and/or data transforms, and determine if data will continue to be replicated after the initial transfer is performed</a:t>
             </a:r>
           </a:p>
           <a:p>
@@ -14781,15 +14814,7 @@
                 <a:ea typeface="Amazon Ember Light" charset="0"/>
                 <a:cs typeface="Amazon Ember Light" charset="0"/>
               </a:rPr>
-              <a:t>AWS </a:t>
-            </a:r>
-            <a:r>
-              <a:rPr lang="en-US" dirty="0" smtClean="0">
-                <a:latin typeface="Amazon Ember Light" charset="0"/>
-                <a:ea typeface="Amazon Ember Light" charset="0"/>
-                <a:cs typeface="Amazon Ember Light" charset="0"/>
-              </a:rPr>
-              <a:t>SCT </a:t>
+              <a:t>AWS SCT </a:t>
             </a:r>
             <a:r>
               <a:rPr lang="en-US" dirty="0">
@@ -15156,14 +15181,6 @@
               </a:rPr>
               <a:t>Next: </a:t>
             </a:r>
-            <a:r>
-              <a:rPr lang="en-US" sz="3600" b="0" dirty="0" smtClean="0">
-                <a:latin typeface="Amazon Ember Light" charset="0"/>
-                <a:ea typeface="Amazon Ember Light" charset="0"/>
-                <a:cs typeface="Amazon Ember Light" charset="0"/>
-              </a:rPr>
-              <a:t/>
-            </a:r>
             <a:br>
               <a:rPr lang="en-US" sz="3600" b="0" dirty="0" smtClean="0">
                 <a:latin typeface="Amazon Ember Light" charset="0"/>
@@ -15180,18 +15197,7 @@
                 <a:ea typeface="Amazon Ember Light" charset="0"/>
                 <a:cs typeface="Amazon Ember Light" charset="0"/>
               </a:rPr>
-              <a:t>SQL </a:t>
-            </a:r>
-            <a:r>
-              <a:rPr lang="en-US" sz="3600" b="0" dirty="0" smtClean="0">
-                <a:solidFill>
-                  <a:schemeClr val="accent1"/>
-                </a:solidFill>
-                <a:latin typeface="Amazon Ember Light" charset="0"/>
-                <a:ea typeface="Amazon Ember Light" charset="0"/>
-                <a:cs typeface="Amazon Ember Light" charset="0"/>
-              </a:rPr>
-              <a:t>Lab: Oracle</a:t>
+              <a:t>SQL Lab: Oracle</a:t>
             </a:r>
             <a:r>
               <a:rPr lang="en-US" sz="3600" b="0" dirty="0">
@@ -15215,19 +15221,7 @@
                 <a:cs typeface="Amazon Ember Light" charset="0"/>
                 <a:sym typeface="Wingdings"/>
               </a:rPr>
-              <a:t>to </a:t>
-            </a:r>
-            <a:r>
-              <a:rPr lang="en-US" sz="3600" b="0" dirty="0" smtClean="0">
-                <a:solidFill>
-                  <a:schemeClr val="accent1"/>
-                </a:solidFill>
-                <a:latin typeface="Amazon Ember Light" charset="0"/>
-                <a:ea typeface="Amazon Ember Light" charset="0"/>
-                <a:cs typeface="Amazon Ember Light" charset="0"/>
-                <a:sym typeface="Wingdings"/>
-              </a:rPr>
-              <a:t>PostgreSQL</a:t>
+              <a:t>to PostgreSQL</a:t>
             </a:r>
             <a:endParaRPr lang="en-US" sz="3600" b="0" dirty="0">
               <a:solidFill>
